--- a/02_Direktive/AngularJS_02_direktive.pptx
+++ b/02_Direktive/AngularJS_02_direktive.pptx
@@ -324,7 +324,7 @@
           <a:p>
             <a:fld id="{2986D4BE-532F-443B-99AA-016C229502D5}" type="datetimeFigureOut">
               <a:rPr lang="en-GB" smtClean="0"/>
-              <a:t>09/04/2016</a:t>
+              <a:t>27/04/2016</a:t>
             </a:fld>
             <a:endParaRPr lang="en-GB"/>
           </a:p>
@@ -494,7 +494,7 @@
           <a:p>
             <a:fld id="{2986D4BE-532F-443B-99AA-016C229502D5}" type="datetimeFigureOut">
               <a:rPr lang="en-GB" smtClean="0"/>
-              <a:t>09/04/2016</a:t>
+              <a:t>27/04/2016</a:t>
             </a:fld>
             <a:endParaRPr lang="en-GB"/>
           </a:p>
@@ -674,7 +674,7 @@
           <a:p>
             <a:fld id="{2986D4BE-532F-443B-99AA-016C229502D5}" type="datetimeFigureOut">
               <a:rPr lang="en-GB" smtClean="0"/>
-              <a:t>09/04/2016</a:t>
+              <a:t>27/04/2016</a:t>
             </a:fld>
             <a:endParaRPr lang="en-GB"/>
           </a:p>
@@ -844,7 +844,7 @@
           <a:p>
             <a:fld id="{2986D4BE-532F-443B-99AA-016C229502D5}" type="datetimeFigureOut">
               <a:rPr lang="en-GB" smtClean="0"/>
-              <a:t>09/04/2016</a:t>
+              <a:t>27/04/2016</a:t>
             </a:fld>
             <a:endParaRPr lang="en-GB"/>
           </a:p>
@@ -1090,7 +1090,7 @@
           <a:p>
             <a:fld id="{2986D4BE-532F-443B-99AA-016C229502D5}" type="datetimeFigureOut">
               <a:rPr lang="en-GB" smtClean="0"/>
-              <a:t>09/04/2016</a:t>
+              <a:t>27/04/2016</a:t>
             </a:fld>
             <a:endParaRPr lang="en-GB"/>
           </a:p>
@@ -1378,7 +1378,7 @@
           <a:p>
             <a:fld id="{2986D4BE-532F-443B-99AA-016C229502D5}" type="datetimeFigureOut">
               <a:rPr lang="en-GB" smtClean="0"/>
-              <a:t>09/04/2016</a:t>
+              <a:t>27/04/2016</a:t>
             </a:fld>
             <a:endParaRPr lang="en-GB"/>
           </a:p>
@@ -1800,7 +1800,7 @@
           <a:p>
             <a:fld id="{2986D4BE-532F-443B-99AA-016C229502D5}" type="datetimeFigureOut">
               <a:rPr lang="en-GB" smtClean="0"/>
-              <a:t>09/04/2016</a:t>
+              <a:t>27/04/2016</a:t>
             </a:fld>
             <a:endParaRPr lang="en-GB"/>
           </a:p>
@@ -1918,7 +1918,7 @@
           <a:p>
             <a:fld id="{2986D4BE-532F-443B-99AA-016C229502D5}" type="datetimeFigureOut">
               <a:rPr lang="en-GB" smtClean="0"/>
-              <a:t>09/04/2016</a:t>
+              <a:t>27/04/2016</a:t>
             </a:fld>
             <a:endParaRPr lang="en-GB"/>
           </a:p>
@@ -2013,7 +2013,7 @@
           <a:p>
             <a:fld id="{2986D4BE-532F-443B-99AA-016C229502D5}" type="datetimeFigureOut">
               <a:rPr lang="en-GB" smtClean="0"/>
-              <a:t>09/04/2016</a:t>
+              <a:t>27/04/2016</a:t>
             </a:fld>
             <a:endParaRPr lang="en-GB"/>
           </a:p>
@@ -2290,7 +2290,7 @@
           <a:p>
             <a:fld id="{2986D4BE-532F-443B-99AA-016C229502D5}" type="datetimeFigureOut">
               <a:rPr lang="en-GB" smtClean="0"/>
-              <a:t>09/04/2016</a:t>
+              <a:t>27/04/2016</a:t>
             </a:fld>
             <a:endParaRPr lang="en-GB"/>
           </a:p>
@@ -2543,7 +2543,7 @@
           <a:p>
             <a:fld id="{2986D4BE-532F-443B-99AA-016C229502D5}" type="datetimeFigureOut">
               <a:rPr lang="en-GB" smtClean="0"/>
-              <a:t>09/04/2016</a:t>
+              <a:t>27/04/2016</a:t>
             </a:fld>
             <a:endParaRPr lang="en-GB"/>
           </a:p>
@@ -2756,7 +2756,7 @@
           <a:p>
             <a:fld id="{2986D4BE-532F-443B-99AA-016C229502D5}" type="datetimeFigureOut">
               <a:rPr lang="en-GB" smtClean="0"/>
-              <a:t>09/04/2016</a:t>
+              <a:t>27/04/2016</a:t>
             </a:fld>
             <a:endParaRPr lang="en-GB"/>
           </a:p>
@@ -9493,15 +9493,7 @@
           <a:p>
             <a:r>
               <a:rPr lang="sr-Latn-RS" dirty="0" smtClean="0"/>
-              <a:t>Postoje </a:t>
-            </a:r>
-            <a:r>
-              <a:rPr lang="sr-Latn-RS" dirty="0" smtClean="0"/>
-              <a:t>tri </a:t>
-            </a:r>
-            <a:r>
-              <a:rPr lang="sr-Latn-RS" dirty="0" smtClean="0"/>
-              <a:t>načina vezivanja vrednosti za izolovani opseg direktive:</a:t>
+              <a:t>Postoje tri načina vezivanja vrednosti za izolovani opseg direktive:</a:t>
             </a:r>
           </a:p>
           <a:p>
@@ -10750,35 +10742,21 @@
                 <a:latin typeface="Courier New" panose="02070309020205020404" pitchFamily="49" charset="0"/>
                 <a:cs typeface="Courier New" panose="02070309020205020404" pitchFamily="49" charset="0"/>
               </a:rPr>
-              <a:t>function</a:t>
+              <a:t>function </a:t>
+            </a:r>
+            <a:r>
+              <a:rPr lang="en-GB" dirty="0" err="1">
+                <a:latin typeface="Courier New" panose="02070309020205020404" pitchFamily="49" charset="0"/>
+                <a:cs typeface="Courier New" panose="02070309020205020404" pitchFamily="49" charset="0"/>
+              </a:rPr>
+              <a:t>ControllerOne</a:t>
             </a:r>
             <a:r>
               <a:rPr lang="en-GB" dirty="0">
                 <a:latin typeface="Courier New" panose="02070309020205020404" pitchFamily="49" charset="0"/>
                 <a:cs typeface="Courier New" panose="02070309020205020404" pitchFamily="49" charset="0"/>
               </a:rPr>
-              <a:t> </a:t>
-            </a:r>
-            <a:r>
-              <a:rPr lang="en-GB" dirty="0" err="1">
-                <a:latin typeface="Courier New" panose="02070309020205020404" pitchFamily="49" charset="0"/>
-                <a:cs typeface="Courier New" panose="02070309020205020404" pitchFamily="49" charset="0"/>
-              </a:rPr>
-              <a:t>ControllerOne</a:t>
-            </a:r>
-            <a:r>
-              <a:rPr lang="en-GB" dirty="0">
-                <a:latin typeface="Courier New" panose="02070309020205020404" pitchFamily="49" charset="0"/>
-                <a:cs typeface="Courier New" panose="02070309020205020404" pitchFamily="49" charset="0"/>
-              </a:rPr>
-              <a:t>($scope)</a:t>
-            </a:r>
-            <a:r>
-              <a:rPr lang="en-GB" dirty="0">
-                <a:latin typeface="Courier New" panose="02070309020205020404" pitchFamily="49" charset="0"/>
-                <a:cs typeface="Courier New" panose="02070309020205020404" pitchFamily="49" charset="0"/>
-              </a:rPr>
-              <a:t> </a:t>
+              <a:t>($scope) </a:t>
             </a:r>
             <a:r>
               <a:rPr lang="en-GB" dirty="0" smtClean="0">
@@ -10822,21 +10800,7 @@
                 <a:latin typeface="Courier New" panose="02070309020205020404" pitchFamily="49" charset="0"/>
                 <a:cs typeface="Courier New" panose="02070309020205020404" pitchFamily="49" charset="0"/>
               </a:rPr>
-              <a:t> </a:t>
-            </a:r>
-            <a:r>
-              <a:rPr lang="en-GB" dirty="0">
-                <a:latin typeface="Courier New" panose="02070309020205020404" pitchFamily="49" charset="0"/>
-                <a:cs typeface="Courier New" panose="02070309020205020404" pitchFamily="49" charset="0"/>
-              </a:rPr>
-              <a:t>=</a:t>
-            </a:r>
-            <a:r>
-              <a:rPr lang="en-GB" dirty="0">
-                <a:latin typeface="Courier New" panose="02070309020205020404" pitchFamily="49" charset="0"/>
-                <a:cs typeface="Courier New" panose="02070309020205020404" pitchFamily="49" charset="0"/>
-              </a:rPr>
-              <a:t> </a:t>
+              <a:t> = </a:t>
             </a:r>
             <a:r>
               <a:rPr lang="en-GB" dirty="0" smtClean="0">
@@ -10896,49 +10860,21 @@
                 <a:latin typeface="Courier New" panose="02070309020205020404" pitchFamily="49" charset="0"/>
                 <a:cs typeface="Courier New" panose="02070309020205020404" pitchFamily="49" charset="0"/>
               </a:rPr>
-              <a:t>function</a:t>
+              <a:t>function </a:t>
+            </a:r>
+            <a:r>
+              <a:rPr lang="en-GB" dirty="0" err="1">
+                <a:latin typeface="Courier New" panose="02070309020205020404" pitchFamily="49" charset="0"/>
+                <a:cs typeface="Courier New" panose="02070309020205020404" pitchFamily="49" charset="0"/>
+              </a:rPr>
+              <a:t>ControllerTwo</a:t>
             </a:r>
             <a:r>
               <a:rPr lang="en-GB" dirty="0">
                 <a:latin typeface="Courier New" panose="02070309020205020404" pitchFamily="49" charset="0"/>
                 <a:cs typeface="Courier New" panose="02070309020205020404" pitchFamily="49" charset="0"/>
               </a:rPr>
-              <a:t> </a:t>
-            </a:r>
-            <a:r>
-              <a:rPr lang="en-GB" dirty="0" err="1">
-                <a:latin typeface="Courier New" panose="02070309020205020404" pitchFamily="49" charset="0"/>
-                <a:cs typeface="Courier New" panose="02070309020205020404" pitchFamily="49" charset="0"/>
-              </a:rPr>
-              <a:t>ControllerTwo</a:t>
-            </a:r>
-            <a:r>
-              <a:rPr lang="en-GB" dirty="0">
-                <a:latin typeface="Courier New" panose="02070309020205020404" pitchFamily="49" charset="0"/>
-                <a:cs typeface="Courier New" panose="02070309020205020404" pitchFamily="49" charset="0"/>
-              </a:rPr>
-              <a:t>($scope)</a:t>
-            </a:r>
-            <a:r>
-              <a:rPr lang="en-GB" dirty="0">
-                <a:latin typeface="Courier New" panose="02070309020205020404" pitchFamily="49" charset="0"/>
-                <a:cs typeface="Courier New" panose="02070309020205020404" pitchFamily="49" charset="0"/>
-              </a:rPr>
-              <a:t> </a:t>
-            </a:r>
-            <a:r>
-              <a:rPr lang="en-GB" dirty="0">
-                <a:latin typeface="Courier New" panose="02070309020205020404" pitchFamily="49" charset="0"/>
-                <a:cs typeface="Courier New" panose="02070309020205020404" pitchFamily="49" charset="0"/>
-              </a:rPr>
-              <a:t>{</a:t>
-            </a:r>
-            <a:r>
-              <a:rPr lang="en-GB" dirty="0">
-                <a:latin typeface="Courier New" panose="02070309020205020404" pitchFamily="49" charset="0"/>
-                <a:cs typeface="Courier New" panose="02070309020205020404" pitchFamily="49" charset="0"/>
-              </a:rPr>
-              <a:t> </a:t>
+              <a:t>($scope) { </a:t>
             </a:r>
             <a:endParaRPr lang="sr-Latn-RS" dirty="0" smtClean="0">
               <a:latin typeface="Courier New" panose="02070309020205020404" pitchFamily="49" charset="0"/>
@@ -10968,21 +10904,7 @@
                 <a:latin typeface="Courier New" panose="02070309020205020404" pitchFamily="49" charset="0"/>
                 <a:cs typeface="Courier New" panose="02070309020205020404" pitchFamily="49" charset="0"/>
               </a:rPr>
-              <a:t> </a:t>
-            </a:r>
-            <a:r>
-              <a:rPr lang="en-GB" dirty="0">
-                <a:latin typeface="Courier New" panose="02070309020205020404" pitchFamily="49" charset="0"/>
-                <a:cs typeface="Courier New" panose="02070309020205020404" pitchFamily="49" charset="0"/>
-              </a:rPr>
-              <a:t>=</a:t>
-            </a:r>
-            <a:r>
-              <a:rPr lang="en-GB" dirty="0">
-                <a:latin typeface="Courier New" panose="02070309020205020404" pitchFamily="49" charset="0"/>
-                <a:cs typeface="Courier New" panose="02070309020205020404" pitchFamily="49" charset="0"/>
-              </a:rPr>
-              <a:t> </a:t>
+              <a:t> = </a:t>
             </a:r>
             <a:r>
               <a:rPr lang="en-GB" dirty="0" smtClean="0">
@@ -11026,14 +10948,7 @@
                 <a:latin typeface="Courier New" panose="02070309020205020404" pitchFamily="49" charset="0"/>
                 <a:cs typeface="Courier New" panose="02070309020205020404" pitchFamily="49" charset="0"/>
               </a:rPr>
-              <a:t>}</a:t>
-            </a:r>
-            <a:r>
-              <a:rPr lang="en-GB" dirty="0">
-                <a:latin typeface="Courier New" panose="02070309020205020404" pitchFamily="49" charset="0"/>
-                <a:cs typeface="Courier New" panose="02070309020205020404" pitchFamily="49" charset="0"/>
-              </a:rPr>
-              <a:t> </a:t>
+              <a:t>} </a:t>
             </a:r>
             <a:endParaRPr lang="sr-Latn-RS" dirty="0" smtClean="0">
               <a:latin typeface="Courier New" panose="02070309020205020404" pitchFamily="49" charset="0"/>
@@ -11070,70 +10985,49 @@
                 <a:latin typeface="Courier New" panose="02070309020205020404" pitchFamily="49" charset="0"/>
                 <a:cs typeface="Courier New" panose="02070309020205020404" pitchFamily="49" charset="0"/>
               </a:rPr>
-              <a:t>',</a:t>
+              <a:t>', </a:t>
+            </a:r>
+            <a:r>
+              <a:rPr lang="en-GB" dirty="0" err="1">
+                <a:latin typeface="Courier New" panose="02070309020205020404" pitchFamily="49" charset="0"/>
+                <a:cs typeface="Courier New" panose="02070309020205020404" pitchFamily="49" charset="0"/>
+              </a:rPr>
+              <a:t>ControllerOne</a:t>
             </a:r>
             <a:r>
               <a:rPr lang="en-GB" dirty="0">
                 <a:latin typeface="Courier New" panose="02070309020205020404" pitchFamily="49" charset="0"/>
                 <a:cs typeface="Courier New" panose="02070309020205020404" pitchFamily="49" charset="0"/>
               </a:rPr>
-              <a:t> </a:t>
+              <a:t>); </a:t>
+            </a:r>
+            <a:r>
+              <a:rPr lang="en-GB" dirty="0" err="1" smtClean="0">
+                <a:latin typeface="Courier New" panose="02070309020205020404" pitchFamily="49" charset="0"/>
+                <a:cs typeface="Courier New" panose="02070309020205020404" pitchFamily="49" charset="0"/>
+              </a:rPr>
+              <a:t>app.controller</a:t>
+            </a:r>
+            <a:r>
+              <a:rPr lang="en-GB" dirty="0">
+                <a:latin typeface="Courier New" panose="02070309020205020404" pitchFamily="49" charset="0"/>
+                <a:cs typeface="Courier New" panose="02070309020205020404" pitchFamily="49" charset="0"/>
+              </a:rPr>
+              <a:t>('</a:t>
             </a:r>
             <a:r>
               <a:rPr lang="en-GB" dirty="0" err="1">
                 <a:latin typeface="Courier New" panose="02070309020205020404" pitchFamily="49" charset="0"/>
                 <a:cs typeface="Courier New" panose="02070309020205020404" pitchFamily="49" charset="0"/>
               </a:rPr>
-              <a:t>ControllerOne</a:t>
+              <a:t>ControllerTwo</a:t>
             </a:r>
             <a:r>
               <a:rPr lang="en-GB" dirty="0">
                 <a:latin typeface="Courier New" panose="02070309020205020404" pitchFamily="49" charset="0"/>
                 <a:cs typeface="Courier New" panose="02070309020205020404" pitchFamily="49" charset="0"/>
               </a:rPr>
-              <a:t>);</a:t>
-            </a:r>
-            <a:r>
-              <a:rPr lang="en-GB" dirty="0">
-                <a:latin typeface="Courier New" panose="02070309020205020404" pitchFamily="49" charset="0"/>
-                <a:cs typeface="Courier New" panose="02070309020205020404" pitchFamily="49" charset="0"/>
-              </a:rPr>
-              <a:t> </a:t>
-            </a:r>
-            <a:r>
-              <a:rPr lang="en-GB" dirty="0" err="1" smtClean="0">
-                <a:latin typeface="Courier New" panose="02070309020205020404" pitchFamily="49" charset="0"/>
-                <a:cs typeface="Courier New" panose="02070309020205020404" pitchFamily="49" charset="0"/>
-              </a:rPr>
-              <a:t>app.controller</a:t>
-            </a:r>
-            <a:r>
-              <a:rPr lang="en-GB" dirty="0">
-                <a:latin typeface="Courier New" panose="02070309020205020404" pitchFamily="49" charset="0"/>
-                <a:cs typeface="Courier New" panose="02070309020205020404" pitchFamily="49" charset="0"/>
-              </a:rPr>
-              <a:t>('</a:t>
-            </a:r>
-            <a:r>
-              <a:rPr lang="en-GB" dirty="0" err="1">
-                <a:latin typeface="Courier New" panose="02070309020205020404" pitchFamily="49" charset="0"/>
-                <a:cs typeface="Courier New" panose="02070309020205020404" pitchFamily="49" charset="0"/>
-              </a:rPr>
-              <a:t>ControllerTwo</a:t>
-            </a:r>
-            <a:r>
-              <a:rPr lang="en-GB" dirty="0">
-                <a:latin typeface="Courier New" panose="02070309020205020404" pitchFamily="49" charset="0"/>
-                <a:cs typeface="Courier New" panose="02070309020205020404" pitchFamily="49" charset="0"/>
-              </a:rPr>
-              <a:t>',</a:t>
-            </a:r>
-            <a:r>
-              <a:rPr lang="en-GB" dirty="0">
-                <a:latin typeface="Courier New" panose="02070309020205020404" pitchFamily="49" charset="0"/>
-                <a:cs typeface="Courier New" panose="02070309020205020404" pitchFamily="49" charset="0"/>
-              </a:rPr>
-              <a:t> </a:t>
+              <a:t>', </a:t>
             </a:r>
             <a:r>
               <a:rPr lang="en-GB" dirty="0" err="1">
@@ -11179,42 +11073,21 @@
                 <a:latin typeface="Courier New" panose="02070309020205020404" pitchFamily="49" charset="0"/>
                 <a:cs typeface="Courier New" panose="02070309020205020404" pitchFamily="49" charset="0"/>
               </a:rPr>
-              <a:t>&lt;div</a:t>
+              <a:t>&lt;div ng-controller="</a:t>
+            </a:r>
+            <a:r>
+              <a:rPr lang="en-GB" b="1" dirty="0" err="1">
+                <a:latin typeface="Courier New" panose="02070309020205020404" pitchFamily="49" charset="0"/>
+                <a:cs typeface="Courier New" panose="02070309020205020404" pitchFamily="49" charset="0"/>
+              </a:rPr>
+              <a:t>ControllerOne</a:t>
             </a:r>
             <a:r>
               <a:rPr lang="en-GB" dirty="0">
                 <a:latin typeface="Courier New" panose="02070309020205020404" pitchFamily="49" charset="0"/>
                 <a:cs typeface="Courier New" panose="02070309020205020404" pitchFamily="49" charset="0"/>
               </a:rPr>
-              <a:t> </a:t>
-            </a:r>
-            <a:r>
-              <a:rPr lang="en-GB" dirty="0">
-                <a:latin typeface="Courier New" panose="02070309020205020404" pitchFamily="49" charset="0"/>
-                <a:cs typeface="Courier New" panose="02070309020205020404" pitchFamily="49" charset="0"/>
-              </a:rPr>
-              <a:t>ng-controller="</a:t>
-            </a:r>
-            <a:r>
-              <a:rPr lang="en-GB" b="1" dirty="0" err="1">
-                <a:latin typeface="Courier New" panose="02070309020205020404" pitchFamily="49" charset="0"/>
-                <a:cs typeface="Courier New" panose="02070309020205020404" pitchFamily="49" charset="0"/>
-              </a:rPr>
-              <a:t>ControllerOne</a:t>
-            </a:r>
-            <a:r>
-              <a:rPr lang="en-GB" dirty="0">
-                <a:latin typeface="Courier New" panose="02070309020205020404" pitchFamily="49" charset="0"/>
-                <a:cs typeface="Courier New" panose="02070309020205020404" pitchFamily="49" charset="0"/>
-              </a:rPr>
-              <a:t>"&gt;</a:t>
-            </a:r>
-            <a:r>
-              <a:rPr lang="en-GB" dirty="0">
-                <a:latin typeface="Courier New" panose="02070309020205020404" pitchFamily="49" charset="0"/>
-                <a:cs typeface="Courier New" panose="02070309020205020404" pitchFamily="49" charset="0"/>
-              </a:rPr>
-              <a:t> </a:t>
+              <a:t>"&gt; </a:t>
             </a:r>
             <a:endParaRPr lang="sr-Latn-RS" dirty="0" smtClean="0">
               <a:latin typeface="Courier New" panose="02070309020205020404" pitchFamily="49" charset="0"/>
@@ -11274,42 +11147,21 @@
                 <a:latin typeface="Courier New" panose="02070309020205020404" pitchFamily="49" charset="0"/>
                 <a:cs typeface="Courier New" panose="02070309020205020404" pitchFamily="49" charset="0"/>
               </a:rPr>
-              <a:t>div</a:t>
+              <a:t>div ng-controller="</a:t>
+            </a:r>
+            <a:r>
+              <a:rPr lang="en-GB" b="1" dirty="0" err="1">
+                <a:latin typeface="Courier New" panose="02070309020205020404" pitchFamily="49" charset="0"/>
+                <a:cs typeface="Courier New" panose="02070309020205020404" pitchFamily="49" charset="0"/>
+              </a:rPr>
+              <a:t>ControllerTwo</a:t>
             </a:r>
             <a:r>
               <a:rPr lang="en-GB" dirty="0">
                 <a:latin typeface="Courier New" panose="02070309020205020404" pitchFamily="49" charset="0"/>
                 <a:cs typeface="Courier New" panose="02070309020205020404" pitchFamily="49" charset="0"/>
               </a:rPr>
-              <a:t> </a:t>
-            </a:r>
-            <a:r>
-              <a:rPr lang="en-GB" dirty="0">
-                <a:latin typeface="Courier New" panose="02070309020205020404" pitchFamily="49" charset="0"/>
-                <a:cs typeface="Courier New" panose="02070309020205020404" pitchFamily="49" charset="0"/>
-              </a:rPr>
-              <a:t>ng-controller="</a:t>
-            </a:r>
-            <a:r>
-              <a:rPr lang="en-GB" b="1" dirty="0" err="1">
-                <a:latin typeface="Courier New" panose="02070309020205020404" pitchFamily="49" charset="0"/>
-                <a:cs typeface="Courier New" panose="02070309020205020404" pitchFamily="49" charset="0"/>
-              </a:rPr>
-              <a:t>ControllerTwo</a:t>
-            </a:r>
-            <a:r>
-              <a:rPr lang="en-GB" dirty="0">
-                <a:latin typeface="Courier New" panose="02070309020205020404" pitchFamily="49" charset="0"/>
-                <a:cs typeface="Courier New" panose="02070309020205020404" pitchFamily="49" charset="0"/>
-              </a:rPr>
-              <a:t>"&gt;</a:t>
-            </a:r>
-            <a:r>
-              <a:rPr lang="en-GB" dirty="0">
-                <a:latin typeface="Courier New" panose="02070309020205020404" pitchFamily="49" charset="0"/>
-                <a:cs typeface="Courier New" panose="02070309020205020404" pitchFamily="49" charset="0"/>
-              </a:rPr>
-              <a:t> </a:t>
+              <a:t>"&gt; </a:t>
             </a:r>
             <a:endParaRPr lang="sr-Latn-RS" dirty="0" smtClean="0">
               <a:latin typeface="Courier New" panose="02070309020205020404" pitchFamily="49" charset="0"/>
@@ -11415,10 +11267,6 @@
               </a:rPr>
               <a:t>div&gt;</a:t>
             </a:r>
-            <a:endParaRPr lang="en-GB" dirty="0">
-              <a:latin typeface="Courier New" panose="02070309020205020404" pitchFamily="49" charset="0"/>
-              <a:cs typeface="Courier New" panose="02070309020205020404" pitchFamily="49" charset="0"/>
-            </a:endParaRPr>
           </a:p>
         </p:txBody>
       </p:sp>
@@ -11556,21 +11404,7 @@
                 <a:latin typeface="Courier New" panose="02070309020205020404" pitchFamily="49" charset="0"/>
                 <a:cs typeface="Courier New" panose="02070309020205020404" pitchFamily="49" charset="0"/>
               </a:rPr>
-              <a:t>div</a:t>
-            </a:r>
-            <a:r>
-              <a:rPr lang="en-GB" sz="1800" dirty="0">
-                <a:latin typeface="Courier New" panose="02070309020205020404" pitchFamily="49" charset="0"/>
-                <a:cs typeface="Courier New" panose="02070309020205020404" pitchFamily="49" charset="0"/>
-              </a:rPr>
-              <a:t> </a:t>
-            </a:r>
-            <a:r>
-              <a:rPr lang="en-GB" sz="1800" dirty="0">
-                <a:latin typeface="Courier New" panose="02070309020205020404" pitchFamily="49" charset="0"/>
-                <a:cs typeface="Courier New" panose="02070309020205020404" pitchFamily="49" charset="0"/>
-              </a:rPr>
-              <a:t>ng-controller="</a:t>
+              <a:t>div ng-controller="</a:t>
             </a:r>
             <a:r>
               <a:rPr lang="en-GB" sz="1800" dirty="0" err="1">
@@ -11651,42 +11485,21 @@
                 <a:latin typeface="Courier New" panose="02070309020205020404" pitchFamily="49" charset="0"/>
                 <a:cs typeface="Courier New" panose="02070309020205020404" pitchFamily="49" charset="0"/>
               </a:rPr>
-              <a:t>div</a:t>
+              <a:t>div ng-controller="</a:t>
+            </a:r>
+            <a:r>
+              <a:rPr lang="en-GB" sz="1800" dirty="0" err="1">
+                <a:latin typeface="Courier New" panose="02070309020205020404" pitchFamily="49" charset="0"/>
+                <a:cs typeface="Courier New" panose="02070309020205020404" pitchFamily="49" charset="0"/>
+              </a:rPr>
+              <a:t>ControllerTwo</a:t>
             </a:r>
             <a:r>
               <a:rPr lang="en-GB" sz="1800" dirty="0">
                 <a:latin typeface="Courier New" panose="02070309020205020404" pitchFamily="49" charset="0"/>
                 <a:cs typeface="Courier New" panose="02070309020205020404" pitchFamily="49" charset="0"/>
               </a:rPr>
-              <a:t> </a:t>
-            </a:r>
-            <a:r>
-              <a:rPr lang="en-GB" sz="1800" dirty="0">
-                <a:latin typeface="Courier New" panose="02070309020205020404" pitchFamily="49" charset="0"/>
-                <a:cs typeface="Courier New" panose="02070309020205020404" pitchFamily="49" charset="0"/>
-              </a:rPr>
-              <a:t>ng-controller="</a:t>
-            </a:r>
-            <a:r>
-              <a:rPr lang="en-GB" sz="1800" dirty="0" err="1">
-                <a:latin typeface="Courier New" panose="02070309020205020404" pitchFamily="49" charset="0"/>
-                <a:cs typeface="Courier New" panose="02070309020205020404" pitchFamily="49" charset="0"/>
-              </a:rPr>
-              <a:t>ControllerTwo</a:t>
-            </a:r>
-            <a:r>
-              <a:rPr lang="en-GB" sz="1800" dirty="0">
-                <a:latin typeface="Courier New" panose="02070309020205020404" pitchFamily="49" charset="0"/>
-                <a:cs typeface="Courier New" panose="02070309020205020404" pitchFamily="49" charset="0"/>
-              </a:rPr>
-              <a:t>"&gt;</a:t>
-            </a:r>
-            <a:r>
-              <a:rPr lang="en-GB" sz="1800" dirty="0">
-                <a:latin typeface="Courier New" panose="02070309020205020404" pitchFamily="49" charset="0"/>
-                <a:cs typeface="Courier New" panose="02070309020205020404" pitchFamily="49" charset="0"/>
-              </a:rPr>
-              <a:t> </a:t>
+              <a:t>"&gt; </a:t>
             </a:r>
             <a:endParaRPr lang="sr-Latn-RS" sz="1800" dirty="0" smtClean="0">
               <a:latin typeface="Courier New" panose="02070309020205020404" pitchFamily="49" charset="0"/>
@@ -13515,11 +13328,7 @@
           <a:p>
             <a:r>
               <a:rPr lang="sr-Latn-RS" dirty="0" smtClean="0"/>
-              <a:t>Posebna vrsta direktiva koje se jednostavno </a:t>
-            </a:r>
-            <a:r>
-              <a:rPr lang="sr-Latn-RS" dirty="0" smtClean="0"/>
-              <a:t>konfigurišu</a:t>
+              <a:t>Posebna vrsta direktiva koje se jednostavno konfigurišu</a:t>
             </a:r>
           </a:p>
           <a:p>
@@ -13541,11 +13350,7 @@
           <a:p>
             <a:r>
               <a:rPr lang="sr-Latn-RS" dirty="0" smtClean="0"/>
-              <a:t>Pogodne </a:t>
-            </a:r>
-            <a:r>
-              <a:rPr lang="sr-Latn-RS" dirty="0" smtClean="0"/>
-              <a:t>za komponentnu arhitekturu aplikacija</a:t>
+              <a:t>Pogodne za komponentnu arhitekturu aplikacija</a:t>
             </a:r>
             <a:endParaRPr lang="en-GB" dirty="0"/>
           </a:p>
@@ -13789,7 +13594,19 @@
             <a:pPr lvl="1"/>
             <a:r>
               <a:rPr lang="sr-Latn-RS" dirty="0" smtClean="0"/>
-              <a:t>Jednostavni se konfigurišu od direktiva</a:t>
+              <a:t>Jednostavni</a:t>
+            </a:r>
+            <a:r>
+              <a:rPr lang="en-GB" smtClean="0"/>
+              <a:t>je</a:t>
+            </a:r>
+            <a:r>
+              <a:rPr lang="sr-Latn-RS" smtClean="0"/>
+              <a:t> </a:t>
+            </a:r>
+            <a:r>
+              <a:rPr lang="sr-Latn-RS" dirty="0" smtClean="0"/>
+              <a:t>se konfigurišu od direktiva</a:t>
             </a:r>
           </a:p>
           <a:p>

--- a/02_Direktive/AngularJS_02_direktive.pptx
+++ b/02_Direktive/AngularJS_02_direktive.pptx
@@ -324,7 +324,7 @@
           <a:p>
             <a:fld id="{2986D4BE-532F-443B-99AA-016C229502D5}" type="datetimeFigureOut">
               <a:rPr lang="en-GB" smtClean="0"/>
-              <a:t>27/04/2016</a:t>
+              <a:t>25/05/2016</a:t>
             </a:fld>
             <a:endParaRPr lang="en-GB"/>
           </a:p>
@@ -494,7 +494,7 @@
           <a:p>
             <a:fld id="{2986D4BE-532F-443B-99AA-016C229502D5}" type="datetimeFigureOut">
               <a:rPr lang="en-GB" smtClean="0"/>
-              <a:t>27/04/2016</a:t>
+              <a:t>25/05/2016</a:t>
             </a:fld>
             <a:endParaRPr lang="en-GB"/>
           </a:p>
@@ -674,7 +674,7 @@
           <a:p>
             <a:fld id="{2986D4BE-532F-443B-99AA-016C229502D5}" type="datetimeFigureOut">
               <a:rPr lang="en-GB" smtClean="0"/>
-              <a:t>27/04/2016</a:t>
+              <a:t>25/05/2016</a:t>
             </a:fld>
             <a:endParaRPr lang="en-GB"/>
           </a:p>
@@ -844,7 +844,7 @@
           <a:p>
             <a:fld id="{2986D4BE-532F-443B-99AA-016C229502D5}" type="datetimeFigureOut">
               <a:rPr lang="en-GB" smtClean="0"/>
-              <a:t>27/04/2016</a:t>
+              <a:t>25/05/2016</a:t>
             </a:fld>
             <a:endParaRPr lang="en-GB"/>
           </a:p>
@@ -1090,7 +1090,7 @@
           <a:p>
             <a:fld id="{2986D4BE-532F-443B-99AA-016C229502D5}" type="datetimeFigureOut">
               <a:rPr lang="en-GB" smtClean="0"/>
-              <a:t>27/04/2016</a:t>
+              <a:t>25/05/2016</a:t>
             </a:fld>
             <a:endParaRPr lang="en-GB"/>
           </a:p>
@@ -1378,7 +1378,7 @@
           <a:p>
             <a:fld id="{2986D4BE-532F-443B-99AA-016C229502D5}" type="datetimeFigureOut">
               <a:rPr lang="en-GB" smtClean="0"/>
-              <a:t>27/04/2016</a:t>
+              <a:t>25/05/2016</a:t>
             </a:fld>
             <a:endParaRPr lang="en-GB"/>
           </a:p>
@@ -1800,7 +1800,7 @@
           <a:p>
             <a:fld id="{2986D4BE-532F-443B-99AA-016C229502D5}" type="datetimeFigureOut">
               <a:rPr lang="en-GB" smtClean="0"/>
-              <a:t>27/04/2016</a:t>
+              <a:t>25/05/2016</a:t>
             </a:fld>
             <a:endParaRPr lang="en-GB"/>
           </a:p>
@@ -1918,7 +1918,7 @@
           <a:p>
             <a:fld id="{2986D4BE-532F-443B-99AA-016C229502D5}" type="datetimeFigureOut">
               <a:rPr lang="en-GB" smtClean="0"/>
-              <a:t>27/04/2016</a:t>
+              <a:t>25/05/2016</a:t>
             </a:fld>
             <a:endParaRPr lang="en-GB"/>
           </a:p>
@@ -2013,7 +2013,7 @@
           <a:p>
             <a:fld id="{2986D4BE-532F-443B-99AA-016C229502D5}" type="datetimeFigureOut">
               <a:rPr lang="en-GB" smtClean="0"/>
-              <a:t>27/04/2016</a:t>
+              <a:t>25/05/2016</a:t>
             </a:fld>
             <a:endParaRPr lang="en-GB"/>
           </a:p>
@@ -2290,7 +2290,7 @@
           <a:p>
             <a:fld id="{2986D4BE-532F-443B-99AA-016C229502D5}" type="datetimeFigureOut">
               <a:rPr lang="en-GB" smtClean="0"/>
-              <a:t>27/04/2016</a:t>
+              <a:t>25/05/2016</a:t>
             </a:fld>
             <a:endParaRPr lang="en-GB"/>
           </a:p>
@@ -2543,7 +2543,7 @@
           <a:p>
             <a:fld id="{2986D4BE-532F-443B-99AA-016C229502D5}" type="datetimeFigureOut">
               <a:rPr lang="en-GB" smtClean="0"/>
-              <a:t>27/04/2016</a:t>
+              <a:t>25/05/2016</a:t>
             </a:fld>
             <a:endParaRPr lang="en-GB"/>
           </a:p>
@@ -2756,7 +2756,7 @@
           <a:p>
             <a:fld id="{2986D4BE-532F-443B-99AA-016C229502D5}" type="datetimeFigureOut">
               <a:rPr lang="en-GB" smtClean="0"/>
-              <a:t>27/04/2016</a:t>
+              <a:t>25/05/2016</a:t>
             </a:fld>
             <a:endParaRPr lang="en-GB"/>
           </a:p>
@@ -12455,7 +12455,15 @@
             </a:r>
             <a:r>
               <a:rPr lang="sr-Latn-RS" sz="7000" dirty="0" smtClean="0"/>
-              <a:t> nam omogućuje da uvedemo prostor imena u naš kotrolera, bez potrebe da se bavimo </a:t>
+              <a:t> nam omogućuje da uvedemo prostor imena u naš </a:t>
+            </a:r>
+            <a:r>
+              <a:rPr lang="sr-Latn-RS" sz="7000" dirty="0" smtClean="0"/>
+              <a:t>kotroler, </a:t>
+            </a:r>
+            <a:r>
+              <a:rPr lang="sr-Latn-RS" sz="7000" dirty="0" smtClean="0"/>
+              <a:t>bez potrebe da se bavimo </a:t>
             </a:r>
             <a:r>
               <a:rPr lang="sr-Latn-RS" sz="7000" dirty="0" smtClean="0">
